--- a/10python/starter/Spot_the_bug_-_Python.pptx
+++ b/10python/starter/Spot_the_bug_-_Python.pptx
@@ -201,7 +201,7 @@
             <a:fld id="{29E1E92C-4CEB-4C99-B08F-0C4DE50D7692}" type="datetimeFigureOut">
               <a:rPr lang="en-GB" smtClean="0"/>
               <a:pPr/>
-              <a:t>28/10/2014</a:t>
+              <a:t>10/12/2016</a:t>
             </a:fld>
             <a:endParaRPr lang="en-GB"/>
           </a:p>
@@ -837,7 +837,7 @@
           <p:nvPr userDrawn="1"/>
         </p:nvPicPr>
         <p:blipFill>
-          <a:blip r:embed="rId2" cstate="print"/>
+          <a:blip r:embed="rId2" cstate="email"/>
           <a:srcRect/>
           <a:stretch>
             <a:fillRect/>
@@ -979,7 +979,7 @@
             <a:fld id="{668C518E-70A2-497D-862F-E9C5EC17084F}" type="datetimeFigureOut">
               <a:rPr lang="en-GB" smtClean="0"/>
               <a:pPr/>
-              <a:t>28/10/2014</a:t>
+              <a:t>10/12/2016</a:t>
             </a:fld>
             <a:endParaRPr lang="en-GB"/>
           </a:p>
@@ -1156,7 +1156,7 @@
             <a:fld id="{668C518E-70A2-497D-862F-E9C5EC17084F}" type="datetimeFigureOut">
               <a:rPr lang="en-GB" smtClean="0"/>
               <a:pPr/>
-              <a:t>28/10/2014</a:t>
+              <a:t>10/12/2016</a:t>
             </a:fld>
             <a:endParaRPr lang="en-GB"/>
           </a:p>
@@ -1323,7 +1323,7 @@
             <a:fld id="{668C518E-70A2-497D-862F-E9C5EC17084F}" type="datetimeFigureOut">
               <a:rPr lang="en-GB" smtClean="0"/>
               <a:pPr/>
-              <a:t>28/10/2014</a:t>
+              <a:t>10/12/2016</a:t>
             </a:fld>
             <a:endParaRPr lang="en-GB"/>
           </a:p>
@@ -1566,7 +1566,7 @@
             <a:fld id="{668C518E-70A2-497D-862F-E9C5EC17084F}" type="datetimeFigureOut">
               <a:rPr lang="en-GB" smtClean="0"/>
               <a:pPr/>
-              <a:t>28/10/2014</a:t>
+              <a:t>10/12/2016</a:t>
             </a:fld>
             <a:endParaRPr lang="en-GB"/>
           </a:p>
@@ -1851,7 +1851,7 @@
             <a:fld id="{668C518E-70A2-497D-862F-E9C5EC17084F}" type="datetimeFigureOut">
               <a:rPr lang="en-GB" smtClean="0"/>
               <a:pPr/>
-              <a:t>28/10/2014</a:t>
+              <a:t>10/12/2016</a:t>
             </a:fld>
             <a:endParaRPr lang="en-GB"/>
           </a:p>
@@ -2270,7 +2270,7 @@
             <a:fld id="{668C518E-70A2-497D-862F-E9C5EC17084F}" type="datetimeFigureOut">
               <a:rPr lang="en-GB" smtClean="0"/>
               <a:pPr/>
-              <a:t>28/10/2014</a:t>
+              <a:t>10/12/2016</a:t>
             </a:fld>
             <a:endParaRPr lang="en-GB"/>
           </a:p>
@@ -2385,7 +2385,7 @@
             <a:fld id="{668C518E-70A2-497D-862F-E9C5EC17084F}" type="datetimeFigureOut">
               <a:rPr lang="en-GB" smtClean="0"/>
               <a:pPr/>
-              <a:t>28/10/2014</a:t>
+              <a:t>10/12/2016</a:t>
             </a:fld>
             <a:endParaRPr lang="en-GB"/>
           </a:p>
@@ -2477,7 +2477,7 @@
             <a:fld id="{668C518E-70A2-497D-862F-E9C5EC17084F}" type="datetimeFigureOut">
               <a:rPr lang="en-GB" smtClean="0"/>
               <a:pPr/>
-              <a:t>28/10/2014</a:t>
+              <a:t>10/12/2016</a:t>
             </a:fld>
             <a:endParaRPr lang="en-GB"/>
           </a:p>
@@ -2751,7 +2751,7 @@
             <a:fld id="{668C518E-70A2-497D-862F-E9C5EC17084F}" type="datetimeFigureOut">
               <a:rPr lang="en-GB" smtClean="0"/>
               <a:pPr/>
-              <a:t>28/10/2014</a:t>
+              <a:t>10/12/2016</a:t>
             </a:fld>
             <a:endParaRPr lang="en-GB"/>
           </a:p>
@@ -3001,7 +3001,7 @@
             <a:fld id="{668C518E-70A2-497D-862F-E9C5EC17084F}" type="datetimeFigureOut">
               <a:rPr lang="en-GB" smtClean="0"/>
               <a:pPr/>
-              <a:t>28/10/2014</a:t>
+              <a:t>10/12/2016</a:t>
             </a:fld>
             <a:endParaRPr lang="en-GB"/>
           </a:p>
@@ -3211,7 +3211,7 @@
             <a:fld id="{668C518E-70A2-497D-862F-E9C5EC17084F}" type="datetimeFigureOut">
               <a:rPr lang="en-GB" smtClean="0"/>
               <a:pPr/>
-              <a:t>28/10/2014</a:t>
+              <a:t>10/12/2016</a:t>
             </a:fld>
             <a:endParaRPr lang="en-GB"/>
           </a:p>
@@ -3591,7 +3591,7 @@
           <p:nvPr/>
         </p:nvPicPr>
         <p:blipFill>
-          <a:blip r:embed="rId3" cstate="print"/>
+          <a:blip r:embed="rId3" cstate="email"/>
           <a:srcRect/>
           <a:stretch>
             <a:fillRect/>
@@ -3647,7 +3647,7 @@
           <p:nvPr/>
         </p:nvPicPr>
         <p:blipFill>
-          <a:blip r:embed="rId4" cstate="print"/>
+          <a:blip r:embed="rId4" cstate="email"/>
           <a:srcRect/>
           <a:stretch>
             <a:fillRect/>
@@ -3786,7 +3786,7 @@
           <p:nvPr/>
         </p:nvPicPr>
         <p:blipFill>
-          <a:blip r:embed="rId2" cstate="print"/>
+          <a:blip r:embed="rId2" cstate="email"/>
           <a:srcRect/>
           <a:stretch>
             <a:fillRect/>
@@ -3812,7 +3812,7 @@
           <p:nvPr/>
         </p:nvPicPr>
         <p:blipFill>
-          <a:blip r:embed="rId3" cstate="print"/>
+          <a:blip r:embed="rId3" cstate="email"/>
           <a:srcRect/>
           <a:stretch>
             <a:fillRect/>
@@ -3852,8 +3852,8 @@
             <p:nvPr/>
           </p:nvPicPr>
           <p:blipFill>
-            <a:blip r:embed="rId4" cstate="print"/>
-            <a:srcRect l="32878" t="31746" r="22929" b="57918"/>
+            <a:blip r:embed="rId4" cstate="email"/>
+            <a:srcRect/>
             <a:stretch>
               <a:fillRect/>
             </a:stretch>
@@ -3945,8 +3945,8 @@
             <p:nvPr/>
           </p:nvPicPr>
           <p:blipFill>
-            <a:blip r:embed="rId5" cstate="print"/>
-            <a:srcRect l="33075" t="31746" r="23220" b="58657"/>
+            <a:blip r:embed="rId5" cstate="email"/>
+            <a:srcRect/>
             <a:stretch>
               <a:fillRect/>
             </a:stretch>
@@ -4462,7 +4462,7 @@
           <p:nvPr/>
         </p:nvPicPr>
         <p:blipFill>
-          <a:blip r:embed="rId3" cstate="print"/>
+          <a:blip r:embed="rId3" cstate="email"/>
           <a:srcRect/>
           <a:stretch>
             <a:fillRect/>
@@ -4488,7 +4488,7 @@
           <p:nvPr/>
         </p:nvPicPr>
         <p:blipFill>
-          <a:blip r:embed="rId4" cstate="print"/>
+          <a:blip r:embed="rId4" cstate="email"/>
           <a:srcRect/>
           <a:stretch>
             <a:fillRect/>
@@ -4574,8 +4574,8 @@
             <p:nvPr/>
           </p:nvPicPr>
           <p:blipFill>
-            <a:blip r:embed="rId5" cstate="print"/>
-            <a:srcRect l="15992" t="20942" r="24609" b="68587"/>
+            <a:blip r:embed="rId5" cstate="email"/>
+            <a:srcRect/>
             <a:stretch>
               <a:fillRect/>
             </a:stretch>
@@ -4621,8 +4621,8 @@
             <p:nvPr/>
           </p:nvPicPr>
           <p:blipFill>
-            <a:blip r:embed="rId6" cstate="print"/>
-            <a:srcRect l="15947" t="20672" r="25582" b="68254"/>
+            <a:blip r:embed="rId6" cstate="email"/>
+            <a:srcRect/>
             <a:stretch>
               <a:fillRect/>
             </a:stretch>
@@ -5145,7 +5145,7 @@
           <p:nvPr/>
         </p:nvPicPr>
         <p:blipFill>
-          <a:blip r:embed="rId3" cstate="print"/>
+          <a:blip r:embed="rId3" cstate="email"/>
           <a:srcRect/>
           <a:stretch>
             <a:fillRect/>
@@ -5171,7 +5171,7 @@
           <p:nvPr/>
         </p:nvPicPr>
         <p:blipFill>
-          <a:blip r:embed="rId4" cstate="print"/>
+          <a:blip r:embed="rId4" cstate="email"/>
           <a:srcRect/>
           <a:stretch>
             <a:fillRect/>
@@ -5211,8 +5211,8 @@
             <p:nvPr/>
           </p:nvPicPr>
           <p:blipFill>
-            <a:blip r:embed="rId5" cstate="print"/>
-            <a:srcRect l="15455" t="22886" r="27945" b="49798"/>
+            <a:blip r:embed="rId5" cstate="email"/>
+            <a:srcRect/>
             <a:stretch>
               <a:fillRect/>
             </a:stretch>
@@ -5304,8 +5304,8 @@
             <p:nvPr/>
           </p:nvPicPr>
           <p:blipFill>
-            <a:blip r:embed="rId6" cstate="print"/>
-            <a:srcRect l="15356" t="23625" r="27354" b="50536"/>
+            <a:blip r:embed="rId6" cstate="email"/>
+            <a:srcRect/>
             <a:stretch>
               <a:fillRect/>
             </a:stretch>
@@ -5833,7 +5833,7 @@
           <p:nvPr/>
         </p:nvPicPr>
         <p:blipFill>
-          <a:blip r:embed="rId3" cstate="print"/>
+          <a:blip r:embed="rId3" cstate="email"/>
           <a:srcRect/>
           <a:stretch>
             <a:fillRect/>
@@ -5859,7 +5859,7 @@
           <p:nvPr/>
         </p:nvPicPr>
         <p:blipFill>
-          <a:blip r:embed="rId4" cstate="print"/>
+          <a:blip r:embed="rId4" cstate="email"/>
           <a:srcRect/>
           <a:stretch>
             <a:fillRect/>
@@ -5899,8 +5899,8 @@
             <p:nvPr/>
           </p:nvPicPr>
           <p:blipFill>
-            <a:blip r:embed="rId5" cstate="print"/>
-            <a:srcRect l="8269" t="24363" r="47435" b="46106"/>
+            <a:blip r:embed="rId5" cstate="email"/>
+            <a:srcRect/>
             <a:stretch>
               <a:fillRect/>
             </a:stretch>
@@ -5992,8 +5992,8 @@
             <p:nvPr/>
           </p:nvPicPr>
           <p:blipFill>
-            <a:blip r:embed="rId6" cstate="print"/>
-            <a:srcRect l="8269" t="24363" r="46844" b="46844"/>
+            <a:blip r:embed="rId6" cstate="email"/>
+            <a:srcRect/>
             <a:stretch>
               <a:fillRect/>
             </a:stretch>
@@ -6521,7 +6521,7 @@
           <p:nvPr/>
         </p:nvPicPr>
         <p:blipFill>
-          <a:blip r:embed="rId2" cstate="print"/>
+          <a:blip r:embed="rId2" cstate="email"/>
           <a:srcRect/>
           <a:stretch>
             <a:fillRect/>
@@ -6547,7 +6547,7 @@
           <p:nvPr/>
         </p:nvPicPr>
         <p:blipFill>
-          <a:blip r:embed="rId3" cstate="print"/>
+          <a:blip r:embed="rId3" cstate="email"/>
           <a:srcRect/>
           <a:stretch>
             <a:fillRect/>
@@ -6587,8 +6587,8 @@
             <p:nvPr/>
           </p:nvPicPr>
           <p:blipFill>
-            <a:blip r:embed="rId4" cstate="print"/>
-            <a:srcRect l="33111" t="31746" r="20465" b="39462"/>
+            <a:blip r:embed="rId4" cstate="email"/>
+            <a:srcRect/>
             <a:stretch>
               <a:fillRect/>
             </a:stretch>
@@ -6680,8 +6680,8 @@
             <p:nvPr/>
           </p:nvPicPr>
           <p:blipFill>
-            <a:blip r:embed="rId5" cstate="print"/>
-            <a:srcRect l="32872" t="31543" r="21060" b="38926"/>
+            <a:blip r:embed="rId5" cstate="email"/>
+            <a:srcRect/>
             <a:stretch>
               <a:fillRect/>
             </a:stretch>
@@ -7204,7 +7204,7 @@
           <p:nvPr/>
         </p:nvPicPr>
         <p:blipFill>
-          <a:blip r:embed="rId2" cstate="print"/>
+          <a:blip r:embed="rId2" cstate="email"/>
           <a:srcRect/>
           <a:stretch>
             <a:fillRect/>
@@ -7230,7 +7230,7 @@
           <p:nvPr/>
         </p:nvPicPr>
         <p:blipFill>
-          <a:blip r:embed="rId3" cstate="print"/>
+          <a:blip r:embed="rId3" cstate="email"/>
           <a:srcRect/>
           <a:stretch>
             <a:fillRect/>
@@ -7270,8 +7270,8 @@
             <p:nvPr/>
           </p:nvPicPr>
           <p:blipFill>
-            <a:blip r:embed="rId4" cstate="print"/>
-            <a:srcRect l="33075" t="31824" r="8454" b="48981"/>
+            <a:blip r:embed="rId4" cstate="email"/>
+            <a:srcRect/>
             <a:stretch>
               <a:fillRect/>
             </a:stretch>
@@ -7363,8 +7363,8 @@
             <p:nvPr/>
           </p:nvPicPr>
           <p:blipFill>
-            <a:blip r:embed="rId5" cstate="print"/>
-            <a:srcRect l="33075" t="31746" r="8454" b="48321"/>
+            <a:blip r:embed="rId5" cstate="email"/>
+            <a:srcRect/>
             <a:stretch>
               <a:fillRect/>
             </a:stretch>
@@ -7892,7 +7892,7 @@
           <p:nvPr/>
         </p:nvPicPr>
         <p:blipFill>
-          <a:blip r:embed="rId2" cstate="print"/>
+          <a:blip r:embed="rId2" cstate="email"/>
           <a:srcRect/>
           <a:stretch>
             <a:fillRect/>
@@ -7918,7 +7918,7 @@
           <p:nvPr/>
         </p:nvPicPr>
         <p:blipFill>
-          <a:blip r:embed="rId3" cstate="print"/>
+          <a:blip r:embed="rId3" cstate="email"/>
           <a:srcRect/>
           <a:stretch>
             <a:fillRect/>
@@ -7958,8 +7958,8 @@
             <p:nvPr/>
           </p:nvPicPr>
           <p:blipFill>
-            <a:blip r:embed="rId4" cstate="print"/>
-            <a:srcRect l="33075" t="31824" r="8454" b="48981"/>
+            <a:blip r:embed="rId4" cstate="email"/>
+            <a:srcRect/>
             <a:stretch>
               <a:fillRect/>
             </a:stretch>
@@ -8051,8 +8051,8 @@
             <p:nvPr/>
           </p:nvPicPr>
           <p:blipFill>
-            <a:blip r:embed="rId5" cstate="print"/>
-            <a:srcRect l="33075" t="31746" r="8454" b="48321"/>
+            <a:blip r:embed="rId5" cstate="email"/>
+            <a:srcRect/>
             <a:stretch>
               <a:fillRect/>
             </a:stretch>
@@ -8573,7 +8573,7 @@
           <p:nvPr/>
         </p:nvPicPr>
         <p:blipFill>
-          <a:blip r:embed="rId2" cstate="print"/>
+          <a:blip r:embed="rId2" cstate="email"/>
           <a:srcRect/>
           <a:stretch>
             <a:fillRect/>
@@ -8599,7 +8599,7 @@
           <p:nvPr/>
         </p:nvPicPr>
         <p:blipFill>
-          <a:blip r:embed="rId3" cstate="print"/>
+          <a:blip r:embed="rId3" cstate="email"/>
           <a:srcRect/>
           <a:stretch>
             <a:fillRect/>
@@ -8715,7 +8715,7 @@
           <p:nvPr/>
         </p:nvPicPr>
         <p:blipFill>
-          <a:blip r:embed="rId4" cstate="print"/>
+          <a:blip r:embed="rId4" cstate="email"/>
           <a:srcRect/>
           <a:stretch>
             <a:fillRect/>
